--- a/Beauty Salon Project.pptx
+++ b/Beauty Salon Project.pptx
@@ -9,8 +9,7 @@
     <p:sldId id="257" r:id="rId3"/>
     <p:sldId id="258" r:id="rId4"/>
     <p:sldId id="259" r:id="rId5"/>
-    <p:sldId id="261" r:id="rId6"/>
-    <p:sldId id="260" r:id="rId7"/>
+    <p:sldId id="260" r:id="rId6"/>
   </p:sldIdLst>
   <p:sldSz cx="12192000" cy="6858000"/>
   <p:notesSz cx="6858000" cy="9144000"/>
@@ -341,7 +340,7 @@
           <a:p>
             <a:fld id="{55B74C42-3E0E-493C-A62E-CAD013CD3B0A}" type="datetimeFigureOut">
               <a:rPr lang="en-US" smtClean="0"/>
-              <a:t>6/2/2020</a:t>
+              <a:t>6/5/2020</a:t>
             </a:fld>
             <a:endParaRPr lang="en-US"/>
           </a:p>
@@ -511,7 +510,7 @@
           <a:p>
             <a:fld id="{55B74C42-3E0E-493C-A62E-CAD013CD3B0A}" type="datetimeFigureOut">
               <a:rPr lang="en-US" smtClean="0"/>
-              <a:t>6/2/2020</a:t>
+              <a:t>6/5/2020</a:t>
             </a:fld>
             <a:endParaRPr lang="en-US"/>
           </a:p>
@@ -691,7 +690,7 @@
           <a:p>
             <a:fld id="{55B74C42-3E0E-493C-A62E-CAD013CD3B0A}" type="datetimeFigureOut">
               <a:rPr lang="en-US" smtClean="0"/>
-              <a:t>6/2/2020</a:t>
+              <a:t>6/5/2020</a:t>
             </a:fld>
             <a:endParaRPr lang="en-US"/>
           </a:p>
@@ -861,7 +860,7 @@
           <a:p>
             <a:fld id="{55B74C42-3E0E-493C-A62E-CAD013CD3B0A}" type="datetimeFigureOut">
               <a:rPr lang="en-US" smtClean="0"/>
-              <a:t>6/2/2020</a:t>
+              <a:t>6/5/2020</a:t>
             </a:fld>
             <a:endParaRPr lang="en-US"/>
           </a:p>
@@ -1119,7 +1118,7 @@
           <a:p>
             <a:fld id="{55B74C42-3E0E-493C-A62E-CAD013CD3B0A}" type="datetimeFigureOut">
               <a:rPr lang="en-US" smtClean="0"/>
-              <a:t>6/2/2020</a:t>
+              <a:t>6/5/2020</a:t>
             </a:fld>
             <a:endParaRPr lang="en-US"/>
           </a:p>
@@ -1407,7 +1406,7 @@
           <a:p>
             <a:fld id="{55B74C42-3E0E-493C-A62E-CAD013CD3B0A}" type="datetimeFigureOut">
               <a:rPr lang="en-US" smtClean="0"/>
-              <a:t>6/2/2020</a:t>
+              <a:t>6/5/2020</a:t>
             </a:fld>
             <a:endParaRPr lang="en-US"/>
           </a:p>
@@ -1849,7 +1848,7 @@
           <a:p>
             <a:fld id="{55B74C42-3E0E-493C-A62E-CAD013CD3B0A}" type="datetimeFigureOut">
               <a:rPr lang="en-US" smtClean="0"/>
-              <a:t>6/2/2020</a:t>
+              <a:t>6/5/2020</a:t>
             </a:fld>
             <a:endParaRPr lang="en-US"/>
           </a:p>
@@ -1967,7 +1966,7 @@
           <a:p>
             <a:fld id="{55B74C42-3E0E-493C-A62E-CAD013CD3B0A}" type="datetimeFigureOut">
               <a:rPr lang="en-US" smtClean="0"/>
-              <a:t>6/2/2020</a:t>
+              <a:t>6/5/2020</a:t>
             </a:fld>
             <a:endParaRPr lang="en-US"/>
           </a:p>
@@ -2062,7 +2061,7 @@
           <a:p>
             <a:fld id="{55B74C42-3E0E-493C-A62E-CAD013CD3B0A}" type="datetimeFigureOut">
               <a:rPr lang="en-US" smtClean="0"/>
-              <a:t>6/2/2020</a:t>
+              <a:t>6/5/2020</a:t>
             </a:fld>
             <a:endParaRPr lang="en-US"/>
           </a:p>
@@ -2350,7 +2349,7 @@
           <a:p>
             <a:fld id="{55B74C42-3E0E-493C-A62E-CAD013CD3B0A}" type="datetimeFigureOut">
               <a:rPr lang="en-US" smtClean="0"/>
-              <a:t>6/2/2020</a:t>
+              <a:t>6/5/2020</a:t>
             </a:fld>
             <a:endParaRPr lang="en-US"/>
           </a:p>
@@ -2623,7 +2622,7 @@
           <a:p>
             <a:fld id="{55B74C42-3E0E-493C-A62E-CAD013CD3B0A}" type="datetimeFigureOut">
               <a:rPr lang="en-US" smtClean="0"/>
-              <a:t>6/2/2020</a:t>
+              <a:t>6/5/2020</a:t>
             </a:fld>
             <a:endParaRPr lang="en-US"/>
           </a:p>
@@ -2920,7 +2919,7 @@
           <a:p>
             <a:fld id="{55B74C42-3E0E-493C-A62E-CAD013CD3B0A}" type="datetimeFigureOut">
               <a:rPr lang="en-US" smtClean="0"/>
-              <a:t>6/2/2020</a:t>
+              <a:t>6/5/2020</a:t>
             </a:fld>
             <a:endParaRPr lang="en-US"/>
           </a:p>
@@ -3455,14 +3454,39 @@
           <a:lstStyle/>
           <a:p>
             <a:r>
+              <a:rPr lang="en-US" sz="2800" b="1" dirty="0" smtClean="0"/>
+              <a:t>Author</a:t>
+            </a:r>
+            <a:r>
               <a:rPr lang="uk-UA" sz="2800" b="1" dirty="0" smtClean="0"/>
-              <a:t>Автор: Лина Ченцова</a:t>
-            </a:r>
-          </a:p>
-          <a:p>
+              <a:t>: </a:t>
+            </a:r>
+            <a:r>
+              <a:rPr lang="en-US" sz="2800" b="1" dirty="0" smtClean="0"/>
+              <a:t>Lina </a:t>
+            </a:r>
+            <a:r>
+              <a:rPr lang="en-US" sz="2800" b="1" dirty="0" err="1" smtClean="0"/>
+              <a:t>Chentsova</a:t>
+            </a:r>
+            <a:endParaRPr lang="uk-UA" sz="2800" b="1" dirty="0" smtClean="0"/>
+          </a:p>
+          <a:p>
+            <a:r>
+              <a:rPr lang="en-US" sz="2800" b="1" dirty="0" smtClean="0"/>
+              <a:t>Trainer</a:t>
+            </a:r>
             <a:r>
               <a:rPr lang="uk-UA" sz="2800" b="1" dirty="0" smtClean="0"/>
-              <a:t>Тренер: Максим Ляшенко</a:t>
+              <a:t>: </a:t>
+            </a:r>
+            <a:r>
+              <a:rPr lang="en-US" sz="2800" b="1" dirty="0" smtClean="0"/>
+              <a:t>Maxim </a:t>
+            </a:r>
+            <a:r>
+              <a:rPr lang="en-US" sz="2800" b="1" dirty="0" err="1" smtClean="0"/>
+              <a:t>Liashenko</a:t>
             </a:r>
             <a:endParaRPr lang="en-US" sz="2800" b="1" dirty="0"/>
           </a:p>
@@ -3521,8 +3545,16 @@
           <a:lstStyle/>
           <a:p>
             <a:r>
+              <a:rPr lang="en-US" dirty="0" smtClean="0"/>
+              <a:t>Variant</a:t>
+            </a:r>
+            <a:r>
               <a:rPr lang="uk-UA" dirty="0" smtClean="0"/>
-              <a:t>Вариант 17</a:t>
+              <a:t> </a:t>
+            </a:r>
+            <a:r>
+              <a:rPr lang="uk-UA" dirty="0" smtClean="0"/>
+              <a:t>17</a:t>
             </a:r>
             <a:endParaRPr lang="en-US" dirty="0"/>
           </a:p>
@@ -3549,112 +3581,116 @@
               <a:buNone/>
             </a:pPr>
             <a:r>
-              <a:rPr lang="ru-RU" sz="2400" dirty="0"/>
-              <a:t>Система </a:t>
-            </a:r>
-            <a:r>
-              <a:rPr lang="ru-RU" sz="2400" b="1" dirty="0"/>
-              <a:t>Расписания Салона Красоты</a:t>
-            </a:r>
-            <a:r>
-              <a:rPr lang="ru-RU" sz="2400" dirty="0"/>
-              <a:t>. Нужно создать страницу, </a:t>
-            </a:r>
-            <a:r>
-              <a:rPr lang="ru-RU" sz="2400" dirty="0" smtClean="0"/>
-              <a:t>где отображается </a:t>
-            </a:r>
-            <a:r>
-              <a:rPr lang="ru-RU" sz="2400" dirty="0"/>
-              <a:t>расписание работы сотрудников салона, так чтобы можно </a:t>
-            </a:r>
-            <a:r>
-              <a:rPr lang="ru-RU" sz="2400" dirty="0" smtClean="0"/>
-              <a:t>было записаться </a:t>
-            </a:r>
-            <a:r>
-              <a:rPr lang="ru-RU" sz="2400" dirty="0"/>
-              <a:t>на прием. </a:t>
-            </a:r>
-            <a:r>
-              <a:rPr lang="ru-RU" sz="2400" b="1" dirty="0"/>
-              <a:t>Записи</a:t>
-            </a:r>
-            <a:r>
-              <a:rPr lang="ru-RU" sz="2400" dirty="0"/>
-              <a:t> клиентов должен видеть </a:t>
-            </a:r>
-            <a:r>
-              <a:rPr lang="ru-RU" sz="2400" dirty="0" smtClean="0"/>
-              <a:t>только </a:t>
-            </a:r>
-            <a:r>
-              <a:rPr lang="ru-RU" sz="2400" b="1" dirty="0" smtClean="0"/>
-              <a:t>Администратор</a:t>
-            </a:r>
-            <a:r>
-              <a:rPr lang="ru-RU" sz="2400" dirty="0" smtClean="0"/>
+              <a:rPr lang="en-US" sz="2400" b="1" dirty="0" smtClean="0"/>
+              <a:t>Beauty </a:t>
+            </a:r>
+            <a:r>
+              <a:rPr lang="en-US" sz="2400" b="1" dirty="0"/>
+              <a:t>Salon Schedule </a:t>
+            </a:r>
+            <a:r>
+              <a:rPr lang="en-US" sz="2400" dirty="0"/>
+              <a:t>System. </a:t>
+            </a:r>
+            <a:r>
+              <a:rPr lang="en-US" sz="2400" dirty="0" smtClean="0"/>
+              <a:t>Create </a:t>
+            </a:r>
+            <a:r>
+              <a:rPr lang="en-US" sz="2400" dirty="0"/>
+              <a:t>a page that displays the schedule of the </a:t>
+            </a:r>
+            <a:r>
+              <a:rPr lang="en-US" sz="2400" dirty="0" smtClean="0"/>
+              <a:t>salon employees, </a:t>
+            </a:r>
+            <a:r>
+              <a:rPr lang="en-US" sz="2400" dirty="0"/>
+              <a:t>so that you can make an appointment. Only </a:t>
+            </a:r>
+            <a:r>
+              <a:rPr lang="en-US" sz="2400" b="1" dirty="0"/>
+              <a:t>Administrator</a:t>
+            </a:r>
+            <a:r>
+              <a:rPr lang="en-US" sz="2400" dirty="0"/>
+              <a:t> and </a:t>
+            </a:r>
+            <a:r>
+              <a:rPr lang="en-US" sz="2400" b="1" dirty="0"/>
+              <a:t>Master</a:t>
+            </a:r>
+            <a:r>
+              <a:rPr lang="en-US" sz="2400" dirty="0"/>
+              <a:t> should see customer </a:t>
+            </a:r>
+            <a:r>
+              <a:rPr lang="en-US" sz="2400" b="1" dirty="0" smtClean="0"/>
+              <a:t>Appointments</a:t>
+            </a:r>
+            <a:r>
+              <a:rPr lang="en-US" sz="2400" dirty="0" smtClean="0"/>
+              <a:t>, </a:t>
+            </a:r>
+            <a:r>
+              <a:rPr lang="en-US" sz="2400" dirty="0"/>
+              <a:t>others only see the occupied space. After the </a:t>
+            </a:r>
+            <a:r>
+              <a:rPr lang="en-US" sz="2400" dirty="0" smtClean="0"/>
+              <a:t>providing </a:t>
+            </a:r>
+            <a:r>
+              <a:rPr lang="en-US" sz="2400" dirty="0"/>
+              <a:t>of services, the </a:t>
+            </a:r>
+            <a:r>
+              <a:rPr lang="en-US" sz="2400" b="1" dirty="0"/>
+              <a:t>Client</a:t>
+            </a:r>
+            <a:r>
+              <a:rPr lang="en-US" sz="2400" dirty="0"/>
+              <a:t> leaves a </a:t>
+            </a:r>
+            <a:r>
+              <a:rPr lang="en-US" sz="2400" dirty="0" smtClean="0"/>
+              <a:t>comment. </a:t>
+            </a:r>
+            <a:r>
+              <a:rPr lang="en-US" sz="2400" dirty="0"/>
+              <a:t>Suggestion for writing a </a:t>
+            </a:r>
+            <a:r>
+              <a:rPr lang="en-US" sz="2400" dirty="0" smtClean="0"/>
+              <a:t>comment arrives </a:t>
+            </a:r>
+            <a:r>
+              <a:rPr lang="en-US" sz="2400" dirty="0"/>
+              <a:t>by </a:t>
+            </a:r>
+            <a:r>
+              <a:rPr lang="en-US" sz="2400" b="1" dirty="0" smtClean="0"/>
+              <a:t>Email</a:t>
+            </a:r>
+            <a:r>
+              <a:rPr lang="en-US" sz="2400" dirty="0"/>
+              <a:t>. The </a:t>
+            </a:r>
+            <a:r>
+              <a:rPr lang="en-US" sz="2400" b="1" dirty="0" smtClean="0"/>
+              <a:t>Administrator</a:t>
+            </a:r>
+            <a:r>
+              <a:rPr lang="en-US" sz="2400" dirty="0" smtClean="0"/>
               <a:t> </a:t>
             </a:r>
             <a:r>
-              <a:rPr lang="ru-RU" sz="2400" dirty="0"/>
-              <a:t>и </a:t>
-            </a:r>
-            <a:r>
-              <a:rPr lang="ru-RU" sz="2400" b="1" dirty="0"/>
-              <a:t>Мастер</a:t>
-            </a:r>
-            <a:r>
-              <a:rPr lang="ru-RU" sz="2400" dirty="0"/>
-              <a:t>, другие видят только занятое место. </a:t>
-            </a:r>
-            <a:r>
-              <a:rPr lang="ru-RU" sz="2400" dirty="0" smtClean="0"/>
-              <a:t>После предоставления </a:t>
-            </a:r>
-            <a:r>
-              <a:rPr lang="ru-RU" sz="2400" dirty="0"/>
-              <a:t>услуг </a:t>
-            </a:r>
-            <a:r>
-              <a:rPr lang="ru-RU" sz="2400" b="1" dirty="0"/>
-              <a:t>Клиент</a:t>
-            </a:r>
-            <a:r>
-              <a:rPr lang="ru-RU" sz="2400" dirty="0"/>
-              <a:t> оставляет отзыв. Предложение о </a:t>
-            </a:r>
-            <a:r>
-              <a:rPr lang="ru-RU" sz="2400" dirty="0" smtClean="0"/>
-              <a:t>написании отзыва </a:t>
-            </a:r>
-            <a:r>
-              <a:rPr lang="ru-RU" sz="2400" dirty="0"/>
-              <a:t>приходит на электронную </a:t>
-            </a:r>
-            <a:r>
-              <a:rPr lang="ru-RU" sz="2400" b="1" dirty="0"/>
-              <a:t>Почту</a:t>
-            </a:r>
-            <a:r>
-              <a:rPr lang="ru-RU" sz="2400" dirty="0"/>
-              <a:t>. </a:t>
-            </a:r>
-            <a:r>
-              <a:rPr lang="ru-RU" sz="2400" b="1" dirty="0"/>
-              <a:t>Администратор</a:t>
-            </a:r>
-            <a:r>
-              <a:rPr lang="ru-RU" sz="2400" dirty="0"/>
-              <a:t> может </a:t>
-            </a:r>
-            <a:r>
-              <a:rPr lang="ru-RU" sz="2400" dirty="0" smtClean="0"/>
-              <a:t>читать отзывы </a:t>
-            </a:r>
-            <a:r>
-              <a:rPr lang="ru-RU" sz="2400" dirty="0"/>
-              <a:t>о коллегах.</a:t>
+              <a:rPr lang="en-US" sz="2400" dirty="0"/>
+              <a:t>can read </a:t>
+            </a:r>
+            <a:r>
+              <a:rPr lang="en-US" sz="2400" dirty="0" smtClean="0"/>
+              <a:t>comments.</a:t>
             </a:r>
             <a:endParaRPr lang="en-US" sz="2400" dirty="0"/>
           </a:p>
@@ -3713,12 +3749,8 @@
           <a:lstStyle/>
           <a:p>
             <a:r>
-              <a:rPr lang="ru-RU" dirty="0"/>
-              <a:t>Общие требования к </a:t>
-            </a:r>
-            <a:r>
-              <a:rPr lang="ru-RU" dirty="0" smtClean="0"/>
-              <a:t>проекту</a:t>
+              <a:rPr lang="en-US" dirty="0"/>
+              <a:t>General project requirements</a:t>
             </a:r>
             <a:endParaRPr lang="en-US" dirty="0"/>
           </a:p>
@@ -3745,8 +3777,12 @@
               <a:buNone/>
             </a:pPr>
             <a:r>
-              <a:rPr lang="ru-RU" sz="1400" b="1" dirty="0"/>
-              <a:t>Необходимо построить веб-приложение, поддерживающую следующую функциональность:</a:t>
+              <a:rPr lang="en-US" sz="1400" b="1" dirty="0" smtClean="0"/>
+              <a:t>Build </a:t>
+            </a:r>
+            <a:r>
+              <a:rPr lang="en-US" sz="1400" b="1" dirty="0"/>
+              <a:t>a web application that supports the following functionality:</a:t>
             </a:r>
           </a:p>
           <a:p>
@@ -3754,8 +3790,8 @@
               <a:buNone/>
             </a:pPr>
             <a:r>
-              <a:rPr lang="ru-RU" sz="1400" b="1" dirty="0"/>
-              <a:t>1. На основе сущностей предметной области создать классы их описывающие.</a:t>
+              <a:rPr lang="en-US" sz="1400" b="1" dirty="0"/>
+              <a:t>1. Based on the entities of the subject area, create classes describing them.</a:t>
             </a:r>
           </a:p>
           <a:p>
@@ -3763,8 +3799,8 @@
               <a:buNone/>
             </a:pPr>
             <a:r>
-              <a:rPr lang="ru-RU" sz="1400" b="1" dirty="0"/>
-              <a:t>2. Классы и методы должны иметь отражающую их функциональность названия и должны быть грамотно структурированы по пакетам</a:t>
+              <a:rPr lang="en-US" sz="1400" b="1" dirty="0"/>
+              <a:t>2. Classes and methods should have names reflecting their functionality and should be competently structured by packages</a:t>
             </a:r>
           </a:p>
           <a:p>
@@ -3772,16 +3808,8 @@
               <a:buNone/>
             </a:pPr>
             <a:r>
-              <a:rPr lang="ru-RU" sz="1400" b="1" dirty="0"/>
-              <a:t>3. Информацию о предметной области хранить в БД, для доступа использовать API JDBC с использованием пула соединений, стандартного или разработанного самостоятельно. В качестве СУБД рекомендуется </a:t>
-            </a:r>
-            <a:r>
-              <a:rPr lang="ru-RU" sz="1400" b="1" dirty="0" err="1"/>
-              <a:t>MySQL</a:t>
-            </a:r>
-            <a:r>
-              <a:rPr lang="ru-RU" sz="1400" b="1" dirty="0"/>
-              <a:t>.</a:t>
+              <a:rPr lang="en-US" sz="1400" b="1" dirty="0"/>
+              <a:t>3. Information about the subject area should be stored in the database, for access use the JDBC API using a connection pool, standard or developed independently. MySQL is recommended as a DBMS.</a:t>
             </a:r>
           </a:p>
           <a:p>
@@ -3789,8 +3817,8 @@
               <a:buNone/>
             </a:pPr>
             <a:r>
-              <a:rPr lang="ru-RU" sz="1400" b="1" dirty="0"/>
-              <a:t>4. Приложение должно поддерживать работу с кириллицей (быть многоязычной), в том числе и при хранении информации в БД.</a:t>
+              <a:rPr lang="en-US" sz="1400" b="1" dirty="0"/>
+              <a:t>4. The application should support work with the Cyrillic alphabet (be multilingual), including when storing information in the database.</a:t>
             </a:r>
           </a:p>
           <a:p>
@@ -3798,8 +3826,8 @@
               <a:buNone/>
             </a:pPr>
             <a:r>
-              <a:rPr lang="ru-RU" sz="1400" b="1" dirty="0"/>
-              <a:t>5. Код должен быть документирован.</a:t>
+              <a:rPr lang="en-US" sz="1400" b="1" dirty="0"/>
+              <a:t>5. The code must be documented.</a:t>
             </a:r>
           </a:p>
           <a:p>
@@ -3807,8 +3835,8 @@
               <a:buNone/>
             </a:pPr>
             <a:r>
-              <a:rPr lang="ru-RU" sz="1400" b="1" dirty="0"/>
-              <a:t>6. Приложение должно быть покрыто Юнит-тестами</a:t>
+              <a:rPr lang="en-US" sz="1400" b="1" dirty="0"/>
+              <a:t>6. The application should be covered by unit tests.</a:t>
             </a:r>
           </a:p>
           <a:p>
@@ -3816,8 +3844,8 @@
               <a:buNone/>
             </a:pPr>
             <a:r>
-              <a:rPr lang="ru-RU" sz="1400" b="1" dirty="0"/>
-              <a:t>7. При разработке бизнес логики использовать сессии и фильтры, и события в системе обрабатывать с помощью Log4j.</a:t>
+              <a:rPr lang="en-US" sz="1400" b="1" dirty="0"/>
+              <a:t>7. When developing business logic, use sessions and filters, and process events in the system using Log4j.</a:t>
             </a:r>
           </a:p>
           <a:p>
@@ -3825,50 +3853,25 @@
               <a:buNone/>
             </a:pPr>
             <a:r>
-              <a:rPr lang="ru-RU" sz="1400" b="1" dirty="0"/>
-              <a:t>8. В приложении необходимо реализовать </a:t>
-            </a:r>
-            <a:r>
-              <a:rPr lang="ru-RU" sz="1400" b="1" dirty="0" err="1"/>
-              <a:t>Pagination</a:t>
-            </a:r>
-            <a:r>
-              <a:rPr lang="ru-RU" sz="1400" b="1" dirty="0"/>
-              <a:t>, </a:t>
-            </a:r>
-            <a:r>
-              <a:rPr lang="ru-RU" sz="1400" b="1" dirty="0" err="1"/>
-              <a:t>Transaction</a:t>
-            </a:r>
-            <a:r>
-              <a:rPr lang="ru-RU" sz="1400" b="1" dirty="0"/>
-              <a:t> в зависимости от Вашего проекта</a:t>
-            </a:r>
-            <a:endParaRPr lang="en-US" sz="1400" b="1" dirty="0"/>
+              <a:rPr lang="en-US" sz="1400" b="1" dirty="0"/>
+              <a:t>8. The application must implement Pagination, Transaction, depending on your project</a:t>
+            </a:r>
           </a:p>
           <a:p>
             <a:pPr marL="0" indent="0" algn="just">
               <a:buNone/>
             </a:pPr>
             <a:r>
-              <a:rPr lang="ru-RU" sz="1400" b="1" dirty="0"/>
-              <a:t>9. Используя </a:t>
-            </a:r>
-            <a:r>
-              <a:rPr lang="ru-RU" sz="1400" b="1" dirty="0" err="1"/>
-              <a:t>сервлеты</a:t>
-            </a:r>
-            <a:r>
-              <a:rPr lang="ru-RU" sz="1400" b="1" dirty="0"/>
-              <a:t> и JSP, реализовать функциональности,</a:t>
-            </a:r>
-            <a:r>
               <a:rPr lang="en-US" sz="1400" b="1" dirty="0"/>
-              <a:t> </a:t>
-            </a:r>
-            <a:r>
-              <a:rPr lang="ru-RU" sz="1400" b="1" dirty="0"/>
-              <a:t>предложенные в постановке конкретной задачи.</a:t>
+              <a:t>9. Using servlets and </a:t>
+            </a:r>
+            <a:r>
+              <a:rPr lang="en-US" sz="1400" b="1" dirty="0" smtClean="0"/>
+              <a:t>JSP, </a:t>
+            </a:r>
+            <a:r>
+              <a:rPr lang="en-US" sz="1400" b="1" dirty="0"/>
+              <a:t>implement the functionality proposed in the formulation of a specific problem.</a:t>
             </a:r>
           </a:p>
           <a:p>
@@ -3876,8 +3879,8 @@
               <a:buNone/>
             </a:pPr>
             <a:r>
-              <a:rPr lang="ru-RU" sz="1400" b="1" dirty="0"/>
-              <a:t>10 . В страницах JSP применять библиотеку JSTL</a:t>
+              <a:rPr lang="en-US" sz="1400" b="1" dirty="0"/>
+              <a:t>10 . Use JSTL library in JSP pages</a:t>
             </a:r>
           </a:p>
           <a:p>
@@ -3885,28 +3888,12 @@
               <a:buNone/>
             </a:pPr>
             <a:r>
+              <a:rPr lang="en-US" sz="1400" b="1" dirty="0" smtClean="0"/>
+              <a:t>11 </a:t>
+            </a:r>
+            <a:r>
               <a:rPr lang="en-US" sz="1400" b="1" dirty="0"/>
-              <a:t>11</a:t>
-            </a:r>
-            <a:r>
-              <a:rPr lang="ru-RU" sz="1400" b="1" dirty="0"/>
-              <a:t> . Приложение должно корректно реагировать на ошибки и исключения разного рода (Пользователь никогда не должен видеть </a:t>
-            </a:r>
-            <a:r>
-              <a:rPr lang="ru-RU" sz="1400" b="1" dirty="0" err="1"/>
-              <a:t>stack-trace</a:t>
-            </a:r>
-            <a:r>
-              <a:rPr lang="ru-RU" sz="1400" b="1" dirty="0"/>
-              <a:t> на стороне </a:t>
-            </a:r>
-            <a:r>
-              <a:rPr lang="ru-RU" sz="1400" b="1" dirty="0" err="1"/>
-              <a:t>front-end</a:t>
-            </a:r>
-            <a:r>
-              <a:rPr lang="ru-RU" sz="1400" b="1" dirty="0"/>
-              <a:t>).</a:t>
+              <a:t>. The application must correctly respond to errors and exceptions of various kinds (The user should never see stack-trace on the front-end side).</a:t>
             </a:r>
           </a:p>
           <a:p>
@@ -3914,16 +3901,8 @@
               <a:buNone/>
             </a:pPr>
             <a:r>
-              <a:rPr lang="ru-RU" sz="1400" b="1" dirty="0"/>
-              <a:t>1</a:t>
-            </a:r>
-            <a:r>
               <a:rPr lang="en-US" sz="1400" b="1" dirty="0"/>
-              <a:t>2</a:t>
-            </a:r>
-            <a:r>
-              <a:rPr lang="ru-RU" sz="1400" b="1" dirty="0"/>
-              <a:t> . В приложении должна быть реализована система Авторизации и Аутентификации</a:t>
+              <a:t>12 . The application must implement the Authorization and Authentication system</a:t>
             </a:r>
             <a:endParaRPr lang="en-US" sz="1400" b="1" dirty="0"/>
           </a:p>
@@ -3984,16 +3963,8 @@
           <a:lstStyle/>
           <a:p>
             <a:r>
-              <a:rPr lang="uk-UA" sz="3400" dirty="0" smtClean="0"/>
-              <a:t>Используем</a:t>
-            </a:r>
-            <a:r>
-              <a:rPr lang="ru-RU" sz="3400" dirty="0" err="1" smtClean="0"/>
-              <a:t>ые</a:t>
-            </a:r>
-            <a:r>
-              <a:rPr lang="ru-RU" sz="3400" dirty="0" smtClean="0"/>
-              <a:t> технологии</a:t>
+              <a:rPr lang="en-US" sz="3400" dirty="0"/>
+              <a:t>Used technologies</a:t>
             </a:r>
             <a:r>
               <a:rPr lang="en-US" sz="3400" dirty="0" smtClean="0"/>
@@ -4010,104 +3981,528 @@
           </a:p>
         </p:txBody>
       </p:sp>
-      <p:sp>
-        <p:nvSpPr>
-          <p:cNvPr id="3" name="Объект 2"/>
-          <p:cNvSpPr>
-            <a:spLocks noGrp="1"/>
-          </p:cNvSpPr>
-          <p:nvPr>
-            <p:ph idx="1"/>
-          </p:nvPr>
-        </p:nvSpPr>
-        <p:spPr/>
-        <p:txBody>
-          <a:bodyPr>
-            <a:normAutofit lnSpcReduction="10000"/>
-          </a:bodyPr>
-          <a:lstStyle/>
-          <a:p>
-            <a:r>
-              <a:rPr lang="en-US" sz="2400" b="1" dirty="0"/>
-              <a:t>Java </a:t>
-            </a:r>
-            <a:r>
-              <a:rPr lang="en-US" sz="2400" b="1" dirty="0" smtClean="0"/>
-              <a:t>8</a:t>
-            </a:r>
-          </a:p>
-          <a:p>
-            <a:r>
-              <a:rPr lang="en-US" sz="2400" b="1" dirty="0" smtClean="0"/>
-              <a:t>Maven</a:t>
-            </a:r>
-            <a:endParaRPr lang="ru-RU" sz="2400" b="1" dirty="0"/>
-          </a:p>
-          <a:p>
-            <a:r>
-              <a:rPr lang="en-US" sz="2400" b="1" dirty="0" smtClean="0"/>
-              <a:t>Spring Boot</a:t>
-            </a:r>
-          </a:p>
-          <a:p>
-            <a:r>
-              <a:rPr lang="en-US" sz="2400" b="1" dirty="0" smtClean="0"/>
-              <a:t>Spring Security</a:t>
-            </a:r>
-            <a:endParaRPr lang="ru-RU" sz="2400" b="1" dirty="0" smtClean="0"/>
-          </a:p>
-          <a:p>
-            <a:r>
-              <a:rPr lang="en-US" sz="2400" b="1" dirty="0"/>
-              <a:t>Hibernate, </a:t>
-            </a:r>
-            <a:r>
-              <a:rPr lang="en-US" sz="2400" b="1" dirty="0" smtClean="0"/>
-              <a:t>JPA</a:t>
-            </a:r>
-          </a:p>
-          <a:p>
-            <a:r>
-              <a:rPr lang="en-US" sz="2400" b="1" dirty="0" smtClean="0"/>
-              <a:t>MySQL</a:t>
-            </a:r>
-            <a:endParaRPr lang="ru-RU" sz="2400" b="1" dirty="0" smtClean="0"/>
-          </a:p>
-          <a:p>
-            <a:r>
-              <a:rPr lang="en-US" sz="2400" b="1" dirty="0" smtClean="0"/>
-              <a:t>Junit</a:t>
-            </a:r>
-            <a:endParaRPr lang="ru-RU" sz="2400" b="1" dirty="0" smtClean="0"/>
-          </a:p>
-          <a:p>
-            <a:r>
-              <a:rPr lang="en-US" sz="2400" b="1" dirty="0" smtClean="0"/>
-              <a:t>SLF4J</a:t>
-            </a:r>
-          </a:p>
-          <a:p>
-            <a:r>
-              <a:rPr lang="en-US" sz="2400" b="1" dirty="0" err="1" smtClean="0"/>
-              <a:t>BCrypt</a:t>
-            </a:r>
-            <a:endParaRPr lang="en-US" sz="2400" b="1" dirty="0" smtClean="0"/>
-          </a:p>
-          <a:p>
-            <a:r>
-              <a:rPr lang="en-US" sz="2400" b="1" dirty="0" err="1" smtClean="0"/>
-              <a:t>Thymeleaf</a:t>
-            </a:r>
-            <a:endParaRPr lang="en-US" sz="2400" b="1" dirty="0" smtClean="0"/>
-          </a:p>
-          <a:p>
-            <a:r>
-              <a:rPr lang="en-US" sz="2400" b="1" dirty="0" smtClean="0"/>
-              <a:t>Lombok</a:t>
-            </a:r>
-          </a:p>
-        </p:txBody>
-      </p:sp>
+      <p:graphicFrame>
+        <p:nvGraphicFramePr>
+          <p:cNvPr id="4" name="Таблица 3"/>
+          <p:cNvGraphicFramePr>
+            <a:graphicFrameLocks noGrp="1"/>
+          </p:cNvGraphicFramePr>
+          <p:nvPr>
+            <p:extLst>
+              <p:ext uri="{D42A27DB-BD31-4B8C-83A1-F6EECF244321}">
+                <p14:modId xmlns:p14="http://schemas.microsoft.com/office/powerpoint/2010/main" val="177332232"/>
+              </p:ext>
+            </p:extLst>
+          </p:nvPr>
+        </p:nvGraphicFramePr>
+        <p:xfrm>
+          <a:off x="3624644" y="1711914"/>
+          <a:ext cx="8127999" cy="3220720"/>
+        </p:xfrm>
+        <a:graphic>
+          <a:graphicData uri="http://schemas.openxmlformats.org/drawingml/2006/table">
+            <a:tbl>
+              <a:tblPr firstRow="1" bandRow="1">
+                <a:tableStyleId>{6E25E649-3F16-4E02-A733-19D2CDBF48F0}</a:tableStyleId>
+              </a:tblPr>
+              <a:tblGrid>
+                <a:gridCol w="2709333">
+                  <a:extLst>
+                    <a:ext uri="{9D8B030D-6E8A-4147-A177-3AD203B41FA5}">
+                      <a16:colId xmlns:a16="http://schemas.microsoft.com/office/drawing/2014/main" val="3679718060"/>
+                    </a:ext>
+                  </a:extLst>
+                </a:gridCol>
+                <a:gridCol w="2709333">
+                  <a:extLst>
+                    <a:ext uri="{9D8B030D-6E8A-4147-A177-3AD203B41FA5}">
+                      <a16:colId xmlns:a16="http://schemas.microsoft.com/office/drawing/2014/main" val="3448579178"/>
+                    </a:ext>
+                  </a:extLst>
+                </a:gridCol>
+                <a:gridCol w="2709333">
+                  <a:extLst>
+                    <a:ext uri="{9D8B030D-6E8A-4147-A177-3AD203B41FA5}">
+                      <a16:colId xmlns:a16="http://schemas.microsoft.com/office/drawing/2014/main" val="1229485863"/>
+                    </a:ext>
+                  </a:extLst>
+                </a:gridCol>
+              </a:tblGrid>
+              <a:tr h="185420">
+                <a:tc>
+                  <a:txBody>
+                    <a:bodyPr/>
+                    <a:lstStyle/>
+                    <a:p>
+                      <a:endParaRPr lang="en-US" dirty="0"/>
+                    </a:p>
+                  </a:txBody>
+                  <a:tcPr/>
+                </a:tc>
+                <a:tc>
+                  <a:txBody>
+                    <a:bodyPr/>
+                    <a:lstStyle/>
+                    <a:p>
+                      <a:r>
+                        <a:rPr lang="en-US" dirty="0" smtClean="0"/>
+                        <a:t>Spring project</a:t>
+                      </a:r>
+                      <a:endParaRPr lang="en-US" dirty="0"/>
+                    </a:p>
+                  </a:txBody>
+                  <a:tcPr/>
+                </a:tc>
+                <a:tc>
+                  <a:txBody>
+                    <a:bodyPr/>
+                    <a:lstStyle/>
+                    <a:p>
+                      <a:pPr marL="0" marR="0" lvl="0" indent="0" algn="l" defTabSz="914400" rtl="0" eaLnBrk="1" fontAlgn="auto" latinLnBrk="0" hangingPunct="1">
+                        <a:lnSpc>
+                          <a:spcPct val="100000"/>
+                        </a:lnSpc>
+                        <a:spcBef>
+                          <a:spcPts val="0"/>
+                        </a:spcBef>
+                        <a:spcAft>
+                          <a:spcPts val="0"/>
+                        </a:spcAft>
+                        <a:buClrTx/>
+                        <a:buSzTx/>
+                        <a:buFontTx/>
+                        <a:buNone/>
+                        <a:tabLst/>
+                        <a:defRPr/>
+                      </a:pPr>
+                      <a:r>
+                        <a:rPr lang="en-US" dirty="0" smtClean="0"/>
+                        <a:t>Servlet </a:t>
+                      </a:r>
+                      <a:r>
+                        <a:rPr lang="en-US" dirty="0" smtClean="0"/>
+                        <a:t>project</a:t>
+                      </a:r>
+                    </a:p>
+                  </a:txBody>
+                  <a:tcPr/>
+                </a:tc>
+                <a:extLst>
+                  <a:ext uri="{0D108BD9-81ED-4DB2-BD59-A6C34878D82A}">
+                    <a16:rowId xmlns:a16="http://schemas.microsoft.com/office/drawing/2014/main" val="3948232368"/>
+                  </a:ext>
+                </a:extLst>
+              </a:tr>
+              <a:tr h="185420">
+                <a:tc>
+                  <a:txBody>
+                    <a:bodyPr/>
+                    <a:lstStyle/>
+                    <a:p>
+                      <a:r>
+                        <a:rPr lang="en-US" sz="1800" b="1" kern="1200" dirty="0" smtClean="0"/>
+                        <a:t>Core</a:t>
+                      </a:r>
+                      <a:endParaRPr lang="en-US" sz="1800" b="1" kern="1200" dirty="0">
+                        <a:solidFill>
+                          <a:schemeClr val="dk1"/>
+                        </a:solidFill>
+                        <a:latin typeface="+mn-lt"/>
+                        <a:ea typeface="+mn-ea"/>
+                        <a:cs typeface="+mn-cs"/>
+                      </a:endParaRPr>
+                    </a:p>
+                  </a:txBody>
+                  <a:tcPr/>
+                </a:tc>
+                <a:tc>
+                  <a:txBody>
+                    <a:bodyPr/>
+                    <a:lstStyle/>
+                    <a:p>
+                      <a:pPr marL="0" marR="0" lvl="0" indent="0" algn="l" defTabSz="914400" rtl="0" eaLnBrk="1" fontAlgn="auto" latinLnBrk="0" hangingPunct="1">
+                        <a:lnSpc>
+                          <a:spcPct val="100000"/>
+                        </a:lnSpc>
+                        <a:spcBef>
+                          <a:spcPts val="0"/>
+                        </a:spcBef>
+                        <a:spcAft>
+                          <a:spcPts val="0"/>
+                        </a:spcAft>
+                        <a:buClrTx/>
+                        <a:buSzTx/>
+                        <a:buFontTx/>
+                        <a:buNone/>
+                        <a:tabLst/>
+                        <a:defRPr/>
+                      </a:pPr>
+                      <a:r>
+                        <a:rPr lang="en-US" sz="1800" kern="1200" dirty="0" smtClean="0"/>
+                        <a:t>Java 8, Maven, Spring Boot</a:t>
+                      </a:r>
+                      <a:endParaRPr lang="en-US" sz="1800" kern="1200" dirty="0" smtClean="0">
+                        <a:solidFill>
+                          <a:schemeClr val="dk1"/>
+                        </a:solidFill>
+                        <a:latin typeface="+mn-lt"/>
+                        <a:ea typeface="+mn-ea"/>
+                        <a:cs typeface="+mn-cs"/>
+                      </a:endParaRPr>
+                    </a:p>
+                  </a:txBody>
+                  <a:tcPr/>
+                </a:tc>
+                <a:tc>
+                  <a:txBody>
+                    <a:bodyPr/>
+                    <a:lstStyle/>
+                    <a:p>
+                      <a:pPr marL="0" marR="0" lvl="0" indent="0" algn="l" defTabSz="914400" rtl="0" eaLnBrk="1" fontAlgn="auto" latinLnBrk="0" hangingPunct="1">
+                        <a:lnSpc>
+                          <a:spcPct val="100000"/>
+                        </a:lnSpc>
+                        <a:spcBef>
+                          <a:spcPts val="0"/>
+                        </a:spcBef>
+                        <a:spcAft>
+                          <a:spcPts val="0"/>
+                        </a:spcAft>
+                        <a:buClrTx/>
+                        <a:buSzTx/>
+                        <a:buFontTx/>
+                        <a:buNone/>
+                        <a:tabLst/>
+                        <a:defRPr/>
+                      </a:pPr>
+                      <a:r>
+                        <a:rPr lang="en-US" sz="1800" kern="1200" dirty="0" smtClean="0"/>
+                        <a:t>Java 8, Maven, Servlets</a:t>
+                      </a:r>
+                      <a:r>
+                        <a:rPr lang="en-US" sz="1800" kern="1200" baseline="0" dirty="0" smtClean="0"/>
+                        <a:t> on Tomcat</a:t>
+                      </a:r>
+                      <a:endParaRPr lang="en-US" dirty="0" smtClean="0"/>
+                    </a:p>
+                  </a:txBody>
+                  <a:tcPr/>
+                </a:tc>
+                <a:extLst>
+                  <a:ext uri="{0D108BD9-81ED-4DB2-BD59-A6C34878D82A}">
+                    <a16:rowId xmlns:a16="http://schemas.microsoft.com/office/drawing/2014/main" val="3547269710"/>
+                  </a:ext>
+                </a:extLst>
+              </a:tr>
+              <a:tr h="370840">
+                <a:tc>
+                  <a:txBody>
+                    <a:bodyPr/>
+                    <a:lstStyle/>
+                    <a:p>
+                      <a:r>
+                        <a:rPr lang="en-US" b="1" dirty="0" smtClean="0"/>
+                        <a:t>Model</a:t>
+                      </a:r>
+                      <a:endParaRPr lang="en-US" b="1" dirty="0"/>
+                    </a:p>
+                  </a:txBody>
+                  <a:tcPr/>
+                </a:tc>
+                <a:tc>
+                  <a:txBody>
+                    <a:bodyPr/>
+                    <a:lstStyle/>
+                    <a:p>
+                      <a:r>
+                        <a:rPr lang="en-US" dirty="0" smtClean="0"/>
+                        <a:t>Hibernate, JPA, MySQL</a:t>
+                      </a:r>
+                      <a:endParaRPr lang="en-US" dirty="0"/>
+                    </a:p>
+                  </a:txBody>
+                  <a:tcPr/>
+                </a:tc>
+                <a:tc>
+                  <a:txBody>
+                    <a:bodyPr/>
+                    <a:lstStyle/>
+                    <a:p>
+                      <a:r>
+                        <a:rPr lang="en-US" dirty="0" smtClean="0"/>
+                        <a:t>JDBC, MySQL</a:t>
+                      </a:r>
+                      <a:endParaRPr lang="en-US" dirty="0"/>
+                    </a:p>
+                  </a:txBody>
+                  <a:tcPr/>
+                </a:tc>
+                <a:extLst>
+                  <a:ext uri="{0D108BD9-81ED-4DB2-BD59-A6C34878D82A}">
+                    <a16:rowId xmlns:a16="http://schemas.microsoft.com/office/drawing/2014/main" val="2821772719"/>
+                  </a:ext>
+                </a:extLst>
+              </a:tr>
+              <a:tr h="370840">
+                <a:tc>
+                  <a:txBody>
+                    <a:bodyPr/>
+                    <a:lstStyle/>
+                    <a:p>
+                      <a:r>
+                        <a:rPr lang="en-US" b="1" dirty="0" smtClean="0"/>
+                        <a:t>View</a:t>
+                      </a:r>
+                      <a:endParaRPr lang="en-US" b="1" dirty="0"/>
+                    </a:p>
+                  </a:txBody>
+                  <a:tcPr/>
+                </a:tc>
+                <a:tc>
+                  <a:txBody>
+                    <a:bodyPr/>
+                    <a:lstStyle/>
+                    <a:p>
+                      <a:r>
+                        <a:rPr lang="en-US" dirty="0" smtClean="0"/>
+                        <a:t>Thymeleaf</a:t>
+                      </a:r>
+                      <a:endParaRPr lang="en-US" dirty="0"/>
+                    </a:p>
+                  </a:txBody>
+                  <a:tcPr/>
+                </a:tc>
+                <a:tc>
+                  <a:txBody>
+                    <a:bodyPr/>
+                    <a:lstStyle/>
+                    <a:p>
+                      <a:r>
+                        <a:rPr lang="en-US" dirty="0" smtClean="0"/>
+                        <a:t>JSP + JSTL</a:t>
+                      </a:r>
+                    </a:p>
+                  </a:txBody>
+                  <a:tcPr/>
+                </a:tc>
+                <a:extLst>
+                  <a:ext uri="{0D108BD9-81ED-4DB2-BD59-A6C34878D82A}">
+                    <a16:rowId xmlns:a16="http://schemas.microsoft.com/office/drawing/2014/main" val="3221312748"/>
+                  </a:ext>
+                </a:extLst>
+              </a:tr>
+              <a:tr h="370840">
+                <a:tc>
+                  <a:txBody>
+                    <a:bodyPr/>
+                    <a:lstStyle/>
+                    <a:p>
+                      <a:r>
+                        <a:rPr lang="en-US" b="1" dirty="0" smtClean="0"/>
+                        <a:t>Controller</a:t>
+                      </a:r>
+                      <a:endParaRPr lang="en-US" b="1" dirty="0"/>
+                    </a:p>
+                  </a:txBody>
+                  <a:tcPr/>
+                </a:tc>
+                <a:tc>
+                  <a:txBody>
+                    <a:bodyPr/>
+                    <a:lstStyle/>
+                    <a:p>
+                      <a:r>
+                        <a:rPr lang="en-US" dirty="0" smtClean="0"/>
+                        <a:t>Spring Security</a:t>
+                      </a:r>
+                    </a:p>
+                  </a:txBody>
+                  <a:tcPr/>
+                </a:tc>
+                <a:tc>
+                  <a:txBody>
+                    <a:bodyPr/>
+                    <a:lstStyle/>
+                    <a:p>
+                      <a:endParaRPr lang="en-US"/>
+                    </a:p>
+                  </a:txBody>
+                  <a:tcPr/>
+                </a:tc>
+                <a:extLst>
+                  <a:ext uri="{0D108BD9-81ED-4DB2-BD59-A6C34878D82A}">
+                    <a16:rowId xmlns:a16="http://schemas.microsoft.com/office/drawing/2014/main" val="3026057143"/>
+                  </a:ext>
+                </a:extLst>
+              </a:tr>
+              <a:tr h="370840">
+                <a:tc>
+                  <a:txBody>
+                    <a:bodyPr/>
+                    <a:lstStyle/>
+                    <a:p>
+                      <a:r>
+                        <a:rPr lang="en-US" b="1" dirty="0" smtClean="0"/>
+                        <a:t>Logging</a:t>
+                      </a:r>
+                      <a:endParaRPr lang="en-US" b="1" dirty="0"/>
+                    </a:p>
+                  </a:txBody>
+                  <a:tcPr/>
+                </a:tc>
+                <a:tc>
+                  <a:txBody>
+                    <a:bodyPr/>
+                    <a:lstStyle/>
+                    <a:p>
+                      <a:r>
+                        <a:rPr lang="en-US" dirty="0" smtClean="0"/>
+                        <a:t>SLF4J</a:t>
+                      </a:r>
+                      <a:endParaRPr lang="en-US" dirty="0"/>
+                    </a:p>
+                  </a:txBody>
+                  <a:tcPr/>
+                </a:tc>
+                <a:tc>
+                  <a:txBody>
+                    <a:bodyPr/>
+                    <a:lstStyle/>
+                    <a:p>
+                      <a:r>
+                        <a:rPr lang="en-US" dirty="0" smtClean="0"/>
+                        <a:t>Log4J</a:t>
+                      </a:r>
+                      <a:endParaRPr lang="en-US" dirty="0"/>
+                    </a:p>
+                  </a:txBody>
+                  <a:tcPr/>
+                </a:tc>
+                <a:extLst>
+                  <a:ext uri="{0D108BD9-81ED-4DB2-BD59-A6C34878D82A}">
+                    <a16:rowId xmlns:a16="http://schemas.microsoft.com/office/drawing/2014/main" val="1776298830"/>
+                  </a:ext>
+                </a:extLst>
+              </a:tr>
+              <a:tr h="242147">
+                <a:tc>
+                  <a:txBody>
+                    <a:bodyPr/>
+                    <a:lstStyle/>
+                    <a:p>
+                      <a:r>
+                        <a:rPr lang="en-US" b="1" dirty="0" smtClean="0"/>
+                        <a:t>Tests</a:t>
+                      </a:r>
+                      <a:endParaRPr lang="en-US" b="1" dirty="0"/>
+                    </a:p>
+                  </a:txBody>
+                  <a:tcPr/>
+                </a:tc>
+                <a:tc>
+                  <a:txBody>
+                    <a:bodyPr/>
+                    <a:lstStyle/>
+                    <a:p>
+                      <a:r>
+                        <a:rPr lang="en-US" dirty="0" smtClean="0"/>
+                        <a:t>Junit</a:t>
+                      </a:r>
+                      <a:endParaRPr lang="en-US" dirty="0"/>
+                    </a:p>
+                  </a:txBody>
+                  <a:tcPr/>
+                </a:tc>
+                <a:tc>
+                  <a:txBody>
+                    <a:bodyPr/>
+                    <a:lstStyle/>
+                    <a:p>
+                      <a:r>
+                        <a:rPr lang="en-US" dirty="0" smtClean="0"/>
+                        <a:t>Junit</a:t>
+                      </a:r>
+                      <a:endParaRPr lang="en-US" dirty="0"/>
+                    </a:p>
+                  </a:txBody>
+                  <a:tcPr/>
+                </a:tc>
+                <a:extLst>
+                  <a:ext uri="{0D108BD9-81ED-4DB2-BD59-A6C34878D82A}">
+                    <a16:rowId xmlns:a16="http://schemas.microsoft.com/office/drawing/2014/main" val="2545165067"/>
+                  </a:ext>
+                </a:extLst>
+              </a:tr>
+              <a:tr h="123613">
+                <a:tc>
+                  <a:txBody>
+                    <a:bodyPr/>
+                    <a:lstStyle/>
+                    <a:p>
+                      <a:r>
+                        <a:rPr lang="en-US" b="1" dirty="0" smtClean="0"/>
+                        <a:t>Additional</a:t>
+                      </a:r>
+                      <a:endParaRPr lang="en-US" b="1" dirty="0"/>
+                    </a:p>
+                  </a:txBody>
+                  <a:tcPr/>
+                </a:tc>
+                <a:tc>
+                  <a:txBody>
+                    <a:bodyPr/>
+                    <a:lstStyle/>
+                    <a:p>
+                      <a:pPr marL="0" marR="0" lvl="0" indent="0" algn="l" defTabSz="914400" rtl="0" eaLnBrk="1" fontAlgn="auto" latinLnBrk="0" hangingPunct="1">
+                        <a:lnSpc>
+                          <a:spcPct val="100000"/>
+                        </a:lnSpc>
+                        <a:spcBef>
+                          <a:spcPts val="0"/>
+                        </a:spcBef>
+                        <a:spcAft>
+                          <a:spcPts val="0"/>
+                        </a:spcAft>
+                        <a:buClrTx/>
+                        <a:buSzTx/>
+                        <a:buFontTx/>
+                        <a:buNone/>
+                        <a:tabLst/>
+                        <a:defRPr/>
+                      </a:pPr>
+                      <a:r>
+                        <a:rPr lang="en-US" dirty="0" smtClean="0"/>
+                        <a:t>BCrypt, Lombok</a:t>
+                      </a:r>
+                      <a:endParaRPr lang="en-US" dirty="0"/>
+                    </a:p>
+                  </a:txBody>
+                  <a:tcPr/>
+                </a:tc>
+                <a:tc>
+                  <a:txBody>
+                    <a:bodyPr/>
+                    <a:lstStyle/>
+                    <a:p>
+                      <a:r>
+                        <a:rPr lang="en-US" dirty="0" smtClean="0"/>
+                        <a:t>BCrypt</a:t>
+                      </a:r>
+                      <a:endParaRPr lang="en-US" dirty="0"/>
+                    </a:p>
+                  </a:txBody>
+                  <a:tcPr/>
+                </a:tc>
+                <a:extLst>
+                  <a:ext uri="{0D108BD9-81ED-4DB2-BD59-A6C34878D82A}">
+                    <a16:rowId xmlns:a16="http://schemas.microsoft.com/office/drawing/2014/main" val="827860736"/>
+                  </a:ext>
+                </a:extLst>
+              </a:tr>
+            </a:tbl>
+          </a:graphicData>
+        </a:graphic>
+      </p:graphicFrame>
     </p:spTree>
     <p:extLst>
       <p:ext uri="{BB962C8B-B14F-4D97-AF65-F5344CB8AC3E}">
@@ -4157,180 +4552,12 @@
         </p:nvSpPr>
         <p:spPr/>
         <p:txBody>
-          <a:bodyPr>
-            <a:normAutofit/>
-          </a:bodyPr>
-          <a:lstStyle/>
-          <a:p>
-            <a:r>
-              <a:rPr lang="uk-UA" sz="3400" dirty="0" smtClean="0"/>
-              <a:t>Используем</a:t>
-            </a:r>
-            <a:r>
-              <a:rPr lang="ru-RU" sz="3400" dirty="0" err="1" smtClean="0"/>
-              <a:t>ые</a:t>
-            </a:r>
-            <a:r>
-              <a:rPr lang="ru-RU" sz="3400" dirty="0" smtClean="0"/>
-              <a:t> технологии</a:t>
-            </a:r>
-            <a:r>
-              <a:rPr lang="en-US" sz="3400" dirty="0" smtClean="0"/>
-              <a:t/>
-            </a:r>
-            <a:br>
-              <a:rPr lang="en-US" sz="3400" dirty="0" smtClean="0"/>
-            </a:br>
-            <a:r>
-              <a:rPr lang="en-US" sz="3400" dirty="0" smtClean="0"/>
-              <a:t>(Servlet Project)</a:t>
-            </a:r>
-            <a:endParaRPr lang="en-US" sz="3400" dirty="0"/>
-          </a:p>
-        </p:txBody>
-      </p:sp>
-      <p:sp>
-        <p:nvSpPr>
-          <p:cNvPr id="3" name="Объект 2"/>
-          <p:cNvSpPr>
-            <a:spLocks noGrp="1"/>
-          </p:cNvSpPr>
-          <p:nvPr>
-            <p:ph idx="1"/>
-          </p:nvPr>
-        </p:nvSpPr>
-        <p:spPr/>
-        <p:txBody>
-          <a:bodyPr>
-            <a:normAutofit/>
-          </a:bodyPr>
-          <a:lstStyle/>
-          <a:p>
-            <a:r>
-              <a:rPr lang="en-US" sz="2400" b="1" dirty="0"/>
-              <a:t>Java </a:t>
-            </a:r>
-            <a:r>
-              <a:rPr lang="en-US" sz="2400" b="1" dirty="0" smtClean="0"/>
-              <a:t>8</a:t>
-            </a:r>
-          </a:p>
-          <a:p>
-            <a:r>
-              <a:rPr lang="en-US" sz="2400" b="1" dirty="0" smtClean="0"/>
-              <a:t>Maven</a:t>
-            </a:r>
-            <a:endParaRPr lang="ru-RU" sz="2400" b="1" dirty="0"/>
-          </a:p>
-          <a:p>
-            <a:r>
-              <a:rPr lang="en-US" sz="2400" b="1" dirty="0" smtClean="0"/>
-              <a:t>Servlet</a:t>
-            </a:r>
-            <a:endParaRPr lang="ru-RU" sz="2400" b="1" dirty="0" smtClean="0"/>
-          </a:p>
-          <a:p>
-            <a:r>
-              <a:rPr lang="en-US" sz="2400" b="1" dirty="0" smtClean="0"/>
-              <a:t>Tomcat 9</a:t>
-            </a:r>
-            <a:endParaRPr lang="en-US" sz="2400" b="1" dirty="0"/>
-          </a:p>
-          <a:p>
-            <a:r>
-              <a:rPr lang="en-US" sz="2400" b="1" dirty="0"/>
-              <a:t>JSP + JSTL</a:t>
-            </a:r>
-          </a:p>
-          <a:p>
-            <a:r>
-              <a:rPr lang="en-US" sz="2400" b="1" dirty="0"/>
-              <a:t>JDBC</a:t>
-            </a:r>
-          </a:p>
-          <a:p>
-            <a:r>
-              <a:rPr lang="en-US" sz="2400" b="1" dirty="0"/>
-              <a:t>MySQL</a:t>
-            </a:r>
-          </a:p>
-          <a:p>
-            <a:r>
-              <a:rPr lang="en-US" sz="2400" b="1" dirty="0"/>
-              <a:t>Junit</a:t>
-            </a:r>
-          </a:p>
-          <a:p>
-            <a:r>
-              <a:rPr lang="en-US" sz="2400" b="1" dirty="0" err="1"/>
-              <a:t>BCrypt</a:t>
-            </a:r>
-            <a:endParaRPr lang="ru-RU" sz="2400" b="1" dirty="0"/>
-          </a:p>
-          <a:p>
-            <a:r>
-              <a:rPr lang="en-US" sz="2400" b="1" dirty="0" smtClean="0"/>
-              <a:t>Log4J</a:t>
-            </a:r>
-            <a:endParaRPr lang="en-US" sz="2400" b="1" dirty="0"/>
-          </a:p>
-        </p:txBody>
-      </p:sp>
-    </p:spTree>
-    <p:extLst>
-      <p:ext uri="{BB962C8B-B14F-4D97-AF65-F5344CB8AC3E}">
-        <p14:creationId xmlns:p14="http://schemas.microsoft.com/office/powerpoint/2010/main" val="656505584"/>
-      </p:ext>
-    </p:extLst>
-  </p:cSld>
-  <p:clrMapOvr>
-    <a:masterClrMapping/>
-  </p:clrMapOvr>
-  <p:timing>
-    <p:tnLst>
-      <p:par>
-        <p:cTn id="1" dur="indefinite" restart="never" nodeType="tmRoot"/>
-      </p:par>
-    </p:tnLst>
-  </p:timing>
-</p:sld>
-</file>
-
-<file path=ppt/slides/slide6.xml><?xml version="1.0" encoding="utf-8"?>
-<p:sld xmlns:a="http://schemas.openxmlformats.org/drawingml/2006/main" xmlns:r="http://schemas.openxmlformats.org/officeDocument/2006/relationships" xmlns:p="http://schemas.openxmlformats.org/presentationml/2006/main">
-  <p:cSld>
-    <p:spTree>
-      <p:nvGrpSpPr>
-        <p:cNvPr id="1" name=""/>
-        <p:cNvGrpSpPr/>
-        <p:nvPr/>
-      </p:nvGrpSpPr>
-      <p:grpSpPr>
-        <a:xfrm>
-          <a:off x="0" y="0"/>
-          <a:ext cx="0" cy="0"/>
-          <a:chOff x="0" y="0"/>
-          <a:chExt cx="0" cy="0"/>
-        </a:xfrm>
-      </p:grpSpPr>
-      <p:sp>
-        <p:nvSpPr>
-          <p:cNvPr id="2" name="Заголовок 1"/>
-          <p:cNvSpPr>
-            <a:spLocks noGrp="1"/>
-          </p:cNvSpPr>
-          <p:nvPr>
-            <p:ph type="title"/>
-          </p:nvPr>
-        </p:nvSpPr>
-        <p:spPr/>
-        <p:txBody>
           <a:bodyPr/>
           <a:lstStyle/>
           <a:p>
             <a:r>
-              <a:rPr lang="ru-RU" dirty="0" smtClean="0"/>
-              <a:t>Схема БД</a:t>
+              <a:rPr lang="en-US" dirty="0" smtClean="0"/>
+              <a:t>Database EER</a:t>
             </a:r>
             <a:endParaRPr lang="en-US" dirty="0"/>
           </a:p>
@@ -4402,7 +4629,7 @@
         </p:blipFill>
         <p:spPr>
           <a:xfrm>
-            <a:off x="1023581" y="697458"/>
+            <a:off x="3492855" y="645207"/>
             <a:ext cx="8597805" cy="5704045"/>
           </a:xfrm>
           <a:prstGeom prst="rect">
